--- a/Evolution of ML.pptx
+++ b/Evolution of ML.pptx
@@ -20,6 +20,22 @@
     <p:sldId id="268" r:id="rId14"/>
     <p:sldId id="267" r:id="rId15"/>
     <p:sldId id="270" r:id="rId16"/>
+    <p:sldId id="273" r:id="rId17"/>
+    <p:sldId id="271" r:id="rId18"/>
+    <p:sldId id="272" r:id="rId19"/>
+    <p:sldId id="279" r:id="rId20"/>
+    <p:sldId id="280" r:id="rId21"/>
+    <p:sldId id="281" r:id="rId22"/>
+    <p:sldId id="274" r:id="rId23"/>
+    <p:sldId id="275" r:id="rId24"/>
+    <p:sldId id="276" r:id="rId25"/>
+    <p:sldId id="277" r:id="rId26"/>
+    <p:sldId id="278" r:id="rId27"/>
+    <p:sldId id="282" r:id="rId28"/>
+    <p:sldId id="283" r:id="rId29"/>
+    <p:sldId id="284" r:id="rId30"/>
+    <p:sldId id="285" r:id="rId31"/>
+    <p:sldId id="286" r:id="rId32"/>
   </p:sldIdLst>
   <p:sldSz cx="9144000" cy="6858000" type="screen4x3"/>
   <p:notesSz cx="6858000" cy="9144000"/>
@@ -3744,15 +3760,477 @@
           <a:p>
             <a:r>
               <a:rPr lang="en-US" b="1" dirty="0"/>
-              <a:t>5. </a:t>
-            </a:r>
-            <a:r>
-              <a:rPr lang="en-US" b="1"/>
-              <a:t>Autonomous Vehicles and Smart Mobility</a:t>
-            </a:r>
-          </a:p>
-          <a:p>
-            <a:endParaRPr lang="en-US"/>
+              <a:t>5. Autonomous Vehicles and Smart Mobility</a:t>
+            </a:r>
+          </a:p>
+          <a:p>
+            <a:endParaRPr lang="en-US" dirty="0"/>
+          </a:p>
+        </p:txBody>
+      </p:sp>
+    </p:spTree>
+  </p:cSld>
+  <p:clrMapOvr>
+    <a:masterClrMapping/>
+  </p:clrMapOvr>
+</p:sld>
+</file>
+
+<file path=ppt/slides/slide16.xml><?xml version="1.0" encoding="utf-8"?>
+<p:sld xmlns:a="http://schemas.openxmlformats.org/drawingml/2006/main" xmlns:r="http://schemas.openxmlformats.org/officeDocument/2006/relationships" xmlns:p="http://schemas.openxmlformats.org/presentationml/2006/main">
+  <p:cSld>
+    <p:spTree>
+      <p:nvGrpSpPr>
+        <p:cNvPr id="1" name=""/>
+        <p:cNvGrpSpPr/>
+        <p:nvPr/>
+      </p:nvGrpSpPr>
+      <p:grpSpPr>
+        <a:xfrm>
+          <a:off x="0" y="0"/>
+          <a:ext cx="0" cy="0"/>
+          <a:chOff x="0" y="0"/>
+          <a:chExt cx="0" cy="0"/>
+        </a:xfrm>
+      </p:grpSpPr>
+      <p:sp>
+        <p:nvSpPr>
+          <p:cNvPr id="2" name="Title 1"/>
+          <p:cNvSpPr>
+            <a:spLocks noGrp="1"/>
+          </p:cNvSpPr>
+          <p:nvPr>
+            <p:ph type="title"/>
+          </p:nvPr>
+        </p:nvSpPr>
+        <p:spPr/>
+        <p:txBody>
+          <a:bodyPr/>
+          <a:lstStyle/>
+          <a:p>
+            <a:r>
+              <a:rPr lang="en-US" dirty="0" smtClean="0"/>
+              <a:t>Paradigms for ML</a:t>
+            </a:r>
+            <a:endParaRPr lang="en-US" dirty="0"/>
+          </a:p>
+        </p:txBody>
+      </p:sp>
+      <p:sp>
+        <p:nvSpPr>
+          <p:cNvPr id="3" name="Content Placeholder 2"/>
+          <p:cNvSpPr>
+            <a:spLocks noGrp="1"/>
+          </p:cNvSpPr>
+          <p:nvPr>
+            <p:ph idx="1"/>
+          </p:nvPr>
+        </p:nvSpPr>
+        <p:spPr/>
+        <p:txBody>
+          <a:bodyPr/>
+          <a:lstStyle/>
+          <a:p>
+            <a:r>
+              <a:rPr lang="en-US" dirty="0" smtClean="0"/>
+              <a:t>Learning by Rote</a:t>
+            </a:r>
+          </a:p>
+          <a:p>
+            <a:r>
+              <a:rPr lang="en-US" dirty="0" smtClean="0"/>
+              <a:t>Learning by Deduction</a:t>
+            </a:r>
+          </a:p>
+          <a:p>
+            <a:r>
+              <a:rPr lang="en-US" dirty="0" smtClean="0"/>
+              <a:t>Learning by Abduction</a:t>
+            </a:r>
+          </a:p>
+          <a:p>
+            <a:r>
+              <a:rPr lang="en-US" dirty="0" smtClean="0"/>
+              <a:t>Learning by Induction</a:t>
+            </a:r>
+          </a:p>
+          <a:p>
+            <a:r>
+              <a:rPr lang="en-US" dirty="0" smtClean="0"/>
+              <a:t>Reinforcement Learning</a:t>
+            </a:r>
+          </a:p>
+        </p:txBody>
+      </p:sp>
+    </p:spTree>
+  </p:cSld>
+  <p:clrMapOvr>
+    <a:masterClrMapping/>
+  </p:clrMapOvr>
+</p:sld>
+</file>
+
+<file path=ppt/slides/slide17.xml><?xml version="1.0" encoding="utf-8"?>
+<p:sld xmlns:a="http://schemas.openxmlformats.org/drawingml/2006/main" xmlns:r="http://schemas.openxmlformats.org/officeDocument/2006/relationships" xmlns:p="http://schemas.openxmlformats.org/presentationml/2006/main">
+  <p:cSld>
+    <p:spTree>
+      <p:nvGrpSpPr>
+        <p:cNvPr id="1" name=""/>
+        <p:cNvGrpSpPr/>
+        <p:nvPr/>
+      </p:nvGrpSpPr>
+      <p:grpSpPr>
+        <a:xfrm>
+          <a:off x="0" y="0"/>
+          <a:ext cx="0" cy="0"/>
+          <a:chOff x="0" y="0"/>
+          <a:chExt cx="0" cy="0"/>
+        </a:xfrm>
+      </p:grpSpPr>
+      <p:sp>
+        <p:nvSpPr>
+          <p:cNvPr id="2" name="Title 1"/>
+          <p:cNvSpPr>
+            <a:spLocks noGrp="1"/>
+          </p:cNvSpPr>
+          <p:nvPr>
+            <p:ph type="title"/>
+          </p:nvPr>
+        </p:nvSpPr>
+        <p:spPr/>
+        <p:txBody>
+          <a:bodyPr>
+            <a:normAutofit/>
+          </a:bodyPr>
+          <a:lstStyle/>
+          <a:p>
+            <a:r>
+              <a:rPr lang="en-US" dirty="0" smtClean="0"/>
+              <a:t>Learning by: Rote</a:t>
+            </a:r>
+            <a:endParaRPr lang="en-US" dirty="0"/>
+          </a:p>
+        </p:txBody>
+      </p:sp>
+      <p:pic>
+        <p:nvPicPr>
+          <p:cNvPr id="3074" name="Picture 2"/>
+          <p:cNvPicPr>
+            <a:picLocks noGrp="1" noChangeAspect="1" noChangeArrowheads="1"/>
+          </p:cNvPicPr>
+          <p:nvPr>
+            <p:ph idx="1"/>
+          </p:nvPr>
+        </p:nvPicPr>
+        <p:blipFill>
+          <a:blip r:embed="rId2"/>
+          <a:srcRect/>
+          <a:stretch>
+            <a:fillRect/>
+          </a:stretch>
+        </p:blipFill>
+        <p:spPr bwMode="auto">
+          <a:xfrm>
+            <a:off x="3500430" y="3714752"/>
+            <a:ext cx="2357454" cy="2484644"/>
+          </a:xfrm>
+          <a:prstGeom prst="rect">
+            <a:avLst/>
+          </a:prstGeom>
+          <a:noFill/>
+          <a:ln w="9525">
+            <a:noFill/>
+            <a:miter lim="800000"/>
+            <a:headEnd/>
+            <a:tailEnd/>
+          </a:ln>
+          <a:effectLst/>
+        </p:spPr>
+      </p:pic>
+      <p:sp>
+        <p:nvSpPr>
+          <p:cNvPr id="5" name="Rectangle 4"/>
+          <p:cNvSpPr/>
+          <p:nvPr/>
+        </p:nvSpPr>
+        <p:spPr>
+          <a:xfrm>
+            <a:off x="500034" y="1571612"/>
+            <a:ext cx="7715304" cy="1200329"/>
+          </a:xfrm>
+          <a:prstGeom prst="rect">
+            <a:avLst/>
+          </a:prstGeom>
+        </p:spPr>
+        <p:txBody>
+          <a:bodyPr wrap="square">
+            <a:spAutoFit/>
+          </a:bodyPr>
+          <a:lstStyle/>
+          <a:p>
+            <a:pPr algn="just"/>
+            <a:r>
+              <a:rPr lang="en-US" sz="2400" b="1" dirty="0" smtClean="0">
+                <a:latin typeface="+mj-lt"/>
+              </a:rPr>
+              <a:t>Rote learning is a learning method where knowledge is memorized and recalled exactly without understanding or generalization.</a:t>
+            </a:r>
+            <a:endParaRPr lang="en-US" sz="2400" b="1" dirty="0">
+              <a:latin typeface="+mj-lt"/>
+            </a:endParaRPr>
+          </a:p>
+        </p:txBody>
+      </p:sp>
+    </p:spTree>
+  </p:cSld>
+  <p:clrMapOvr>
+    <a:masterClrMapping/>
+  </p:clrMapOvr>
+</p:sld>
+</file>
+
+<file path=ppt/slides/slide18.xml><?xml version="1.0" encoding="utf-8"?>
+<p:sld xmlns:a="http://schemas.openxmlformats.org/drawingml/2006/main" xmlns:r="http://schemas.openxmlformats.org/officeDocument/2006/relationships" xmlns:p="http://schemas.openxmlformats.org/presentationml/2006/main">
+  <p:cSld>
+    <p:spTree>
+      <p:nvGrpSpPr>
+        <p:cNvPr id="1" name=""/>
+        <p:cNvGrpSpPr/>
+        <p:nvPr/>
+      </p:nvGrpSpPr>
+      <p:grpSpPr>
+        <a:xfrm>
+          <a:off x="0" y="0"/>
+          <a:ext cx="0" cy="0"/>
+          <a:chOff x="0" y="0"/>
+          <a:chExt cx="0" cy="0"/>
+        </a:xfrm>
+      </p:grpSpPr>
+      <p:sp>
+        <p:nvSpPr>
+          <p:cNvPr id="2" name="Title 1"/>
+          <p:cNvSpPr>
+            <a:spLocks noGrp="1"/>
+          </p:cNvSpPr>
+          <p:nvPr>
+            <p:ph type="title"/>
+          </p:nvPr>
+        </p:nvSpPr>
+        <p:spPr/>
+        <p:txBody>
+          <a:bodyPr/>
+          <a:lstStyle/>
+          <a:p>
+            <a:r>
+              <a:rPr lang="en-US" dirty="0" smtClean="0"/>
+              <a:t>Rote learning:</a:t>
+            </a:r>
+            <a:endParaRPr lang="en-US" dirty="0"/>
+          </a:p>
+        </p:txBody>
+      </p:sp>
+      <p:sp>
+        <p:nvSpPr>
+          <p:cNvPr id="3" name="Content Placeholder 2"/>
+          <p:cNvSpPr>
+            <a:spLocks noGrp="1"/>
+          </p:cNvSpPr>
+          <p:nvPr>
+            <p:ph idx="1"/>
+          </p:nvPr>
+        </p:nvSpPr>
+        <p:spPr/>
+        <p:txBody>
+          <a:bodyPr>
+            <a:normAutofit fontScale="70000" lnSpcReduction="20000"/>
+          </a:bodyPr>
+          <a:lstStyle/>
+          <a:p>
+            <a:r>
+              <a:rPr lang="en-US" dirty="0" smtClean="0"/>
+              <a:t>Requires the learner to </a:t>
+            </a:r>
+            <a:r>
+              <a:rPr lang="en-US" dirty="0" smtClean="0">
+                <a:solidFill>
+                  <a:srgbClr val="C00000"/>
+                </a:solidFill>
+              </a:rPr>
+              <a:t>repeat facts and procedures until they are thoroughly memorized</a:t>
+            </a:r>
+            <a:r>
+              <a:rPr lang="en-US" dirty="0" smtClean="0"/>
+              <a:t>.</a:t>
+            </a:r>
+          </a:p>
+          <a:p>
+            <a:r>
+              <a:rPr lang="en-US" dirty="0" smtClean="0"/>
+              <a:t>Rote learning:</a:t>
+            </a:r>
+            <a:endParaRPr lang="en-US" dirty="0" smtClean="0"/>
+          </a:p>
+          <a:p>
+            <a:r>
+              <a:rPr lang="en-US" dirty="0" smtClean="0"/>
+              <a:t>Common Rote Learning Examples: </a:t>
+            </a:r>
+          </a:p>
+          <a:p>
+            <a:r>
+              <a:rPr lang="en-US" b="1" dirty="0" smtClean="0"/>
+              <a:t>Mathematics:</a:t>
+            </a:r>
+            <a:r>
+              <a:rPr lang="en-US" dirty="0" smtClean="0"/>
+              <a:t> Learning basic addition facts, multiplication tables, or chemical formulas like H2Ocap H sub 2 cap O</a:t>
+            </a:r>
+          </a:p>
+          <a:p>
+            <a:r>
+              <a:rPr lang="en-US" dirty="0" smtClean="0"/>
+              <a:t>𝐻2𝑂</a:t>
+            </a:r>
+          </a:p>
+          <a:p>
+            <a:r>
+              <a:rPr lang="en-US" b="1" dirty="0" smtClean="0"/>
+              <a:t>Language Arts:</a:t>
+            </a:r>
+            <a:r>
+              <a:rPr lang="en-US" dirty="0" smtClean="0"/>
+              <a:t> Memorizing spelling words, vocabulary definitions, or practicing phonics. </a:t>
+            </a:r>
+          </a:p>
+          <a:p>
+            <a:r>
+              <a:rPr lang="en-US" b="1" dirty="0" smtClean="0"/>
+              <a:t>Science:</a:t>
+            </a:r>
+            <a:r>
+              <a:rPr lang="en-US" dirty="0" smtClean="0"/>
+              <a:t> Reciting the periodic table of elements or anatomy terms. </a:t>
+            </a:r>
+          </a:p>
+          <a:p>
+            <a:r>
+              <a:rPr lang="en-US" b="1" dirty="0" smtClean="0"/>
+              <a:t>General Facts:</a:t>
+            </a:r>
+            <a:r>
+              <a:rPr lang="en-US" dirty="0" smtClean="0"/>
+              <a:t> Learning the alphabet song or historical dates. </a:t>
+            </a:r>
+          </a:p>
+          <a:p>
+            <a:endParaRPr lang="en-US" dirty="0"/>
+          </a:p>
+        </p:txBody>
+      </p:sp>
+    </p:spTree>
+  </p:cSld>
+  <p:clrMapOvr>
+    <a:masterClrMapping/>
+  </p:clrMapOvr>
+</p:sld>
+</file>
+
+<file path=ppt/slides/slide19.xml><?xml version="1.0" encoding="utf-8"?>
+<p:sld xmlns:a="http://schemas.openxmlformats.org/drawingml/2006/main" xmlns:r="http://schemas.openxmlformats.org/officeDocument/2006/relationships" xmlns:p="http://schemas.openxmlformats.org/presentationml/2006/main">
+  <p:cSld>
+    <p:spTree>
+      <p:nvGrpSpPr>
+        <p:cNvPr id="1" name=""/>
+        <p:cNvGrpSpPr/>
+        <p:nvPr/>
+      </p:nvGrpSpPr>
+      <p:grpSpPr>
+        <a:xfrm>
+          <a:off x="0" y="0"/>
+          <a:ext cx="0" cy="0"/>
+          <a:chOff x="0" y="0"/>
+          <a:chExt cx="0" cy="0"/>
+        </a:xfrm>
+      </p:grpSpPr>
+      <p:sp>
+        <p:nvSpPr>
+          <p:cNvPr id="2" name="Title 1"/>
+          <p:cNvSpPr>
+            <a:spLocks noGrp="1"/>
+          </p:cNvSpPr>
+          <p:nvPr>
+            <p:ph type="title"/>
+          </p:nvPr>
+        </p:nvSpPr>
+        <p:spPr/>
+        <p:txBody>
+          <a:bodyPr>
+            <a:normAutofit fontScale="90000"/>
+          </a:bodyPr>
+          <a:lstStyle/>
+          <a:p>
+            <a:r>
+              <a:rPr lang="en-US" b="1" dirty="0" smtClean="0"/>
+              <a:t>Learning by Deduction (Deductive Learning)</a:t>
+            </a:r>
+            <a:br>
+              <a:rPr lang="en-US" b="1" dirty="0" smtClean="0"/>
+            </a:br>
+            <a:endParaRPr lang="en-US" dirty="0"/>
+          </a:p>
+        </p:txBody>
+      </p:sp>
+      <p:sp>
+        <p:nvSpPr>
+          <p:cNvPr id="3" name="Content Placeholder 2"/>
+          <p:cNvSpPr>
+            <a:spLocks noGrp="1"/>
+          </p:cNvSpPr>
+          <p:nvPr>
+            <p:ph idx="1"/>
+          </p:nvPr>
+        </p:nvSpPr>
+        <p:spPr/>
+        <p:txBody>
+          <a:bodyPr/>
+          <a:lstStyle/>
+          <a:p>
+            <a:r>
+              <a:rPr lang="en-US" b="1" dirty="0" smtClean="0"/>
+              <a:t>Learning by deduction</a:t>
+            </a:r>
+            <a:r>
+              <a:rPr lang="en-US" dirty="0" smtClean="0"/>
+              <a:t> is a learning method where </a:t>
+            </a:r>
+            <a:r>
+              <a:rPr lang="en-US" b="1" dirty="0" smtClean="0"/>
+              <a:t>new knowledge is derived from existing general rules</a:t>
+            </a:r>
+            <a:r>
+              <a:rPr lang="en-US" dirty="0" smtClean="0"/>
+              <a:t> by applying </a:t>
+            </a:r>
+            <a:r>
+              <a:rPr lang="en-US" b="1" dirty="0" smtClean="0"/>
+              <a:t>logical reasoning</a:t>
+            </a:r>
+            <a:r>
+              <a:rPr lang="en-US" dirty="0" smtClean="0"/>
+              <a:t>.</a:t>
+            </a:r>
+          </a:p>
+          <a:p>
+            <a:r>
+              <a:rPr lang="en-US" b="1" dirty="0" smtClean="0"/>
+              <a:t>Learning by Deduction (Deductive Learning)</a:t>
+            </a:r>
+          </a:p>
+          <a:p>
+            <a:endParaRPr lang="en-US" dirty="0" smtClean="0"/>
+          </a:p>
+          <a:p>
+            <a:endParaRPr lang="en-US" dirty="0"/>
           </a:p>
         </p:txBody>
       </p:sp>
@@ -3831,6 +4309,1153 @@
 </p:sld>
 </file>
 
+<file path=ppt/slides/slide20.xml><?xml version="1.0" encoding="utf-8"?>
+<p:sld xmlns:a="http://schemas.openxmlformats.org/drawingml/2006/main" xmlns:r="http://schemas.openxmlformats.org/officeDocument/2006/relationships" xmlns:p="http://schemas.openxmlformats.org/presentationml/2006/main">
+  <p:cSld>
+    <p:spTree>
+      <p:nvGrpSpPr>
+        <p:cNvPr id="1" name=""/>
+        <p:cNvGrpSpPr/>
+        <p:nvPr/>
+      </p:nvGrpSpPr>
+      <p:grpSpPr>
+        <a:xfrm>
+          <a:off x="0" y="0"/>
+          <a:ext cx="0" cy="0"/>
+          <a:chOff x="0" y="0"/>
+          <a:chExt cx="0" cy="0"/>
+        </a:xfrm>
+      </p:grpSpPr>
+      <p:sp>
+        <p:nvSpPr>
+          <p:cNvPr id="2" name="Title 1"/>
+          <p:cNvSpPr>
+            <a:spLocks noGrp="1"/>
+          </p:cNvSpPr>
+          <p:nvPr>
+            <p:ph type="title"/>
+          </p:nvPr>
+        </p:nvSpPr>
+        <p:spPr/>
+        <p:txBody>
+          <a:bodyPr/>
+          <a:lstStyle/>
+          <a:p>
+            <a:r>
+              <a:rPr lang="en-US" dirty="0" smtClean="0"/>
+              <a:t>Working</a:t>
+            </a:r>
+            <a:endParaRPr lang="en-US" dirty="0"/>
+          </a:p>
+        </p:txBody>
+      </p:sp>
+      <p:sp>
+        <p:nvSpPr>
+          <p:cNvPr id="3" name="Content Placeholder 2"/>
+          <p:cNvSpPr>
+            <a:spLocks noGrp="1"/>
+          </p:cNvSpPr>
+          <p:nvPr>
+            <p:ph idx="1"/>
+          </p:nvPr>
+        </p:nvSpPr>
+        <p:spPr/>
+        <p:txBody>
+          <a:bodyPr>
+            <a:normAutofit lnSpcReduction="10000"/>
+          </a:bodyPr>
+          <a:lstStyle/>
+          <a:p>
+            <a:r>
+              <a:rPr lang="en-US" dirty="0" smtClean="0"/>
+              <a:t>Start with </a:t>
+            </a:r>
+            <a:r>
+              <a:rPr lang="en-US" b="1" dirty="0" smtClean="0"/>
+              <a:t>general rules</a:t>
+            </a:r>
+            <a:endParaRPr lang="en-US" dirty="0" smtClean="0"/>
+          </a:p>
+          <a:p>
+            <a:r>
+              <a:rPr lang="en-US" dirty="0" smtClean="0"/>
+              <a:t>Apply them to a </a:t>
+            </a:r>
+            <a:r>
+              <a:rPr lang="en-US" b="1" dirty="0" smtClean="0"/>
+              <a:t>specific case</a:t>
+            </a:r>
+            <a:endParaRPr lang="en-US" dirty="0" smtClean="0"/>
+          </a:p>
+          <a:p>
+            <a:r>
+              <a:rPr lang="en-US" dirty="0" smtClean="0"/>
+              <a:t>Derive a </a:t>
+            </a:r>
+            <a:r>
+              <a:rPr lang="en-US" b="1" dirty="0" smtClean="0"/>
+              <a:t>certain (logically guaranteed) conclusion</a:t>
+            </a:r>
+            <a:endParaRPr lang="en-US" dirty="0" smtClean="0"/>
+          </a:p>
+          <a:p>
+            <a:r>
+              <a:rPr lang="en-US" b="1" dirty="0" smtClean="0">
+                <a:solidFill>
+                  <a:srgbClr val="C00000"/>
+                </a:solidFill>
+              </a:rPr>
+              <a:t>Weather Example</a:t>
+            </a:r>
+          </a:p>
+          <a:p>
+            <a:r>
+              <a:rPr lang="en-US" dirty="0" smtClean="0"/>
+              <a:t>Rule: </a:t>
+            </a:r>
+            <a:r>
+              <a:rPr lang="en-US" i="1" dirty="0" smtClean="0"/>
+              <a:t>If it rains, the ground becomes wet.</a:t>
+            </a:r>
+            <a:endParaRPr lang="en-US" dirty="0" smtClean="0"/>
+          </a:p>
+          <a:p>
+            <a:r>
+              <a:rPr lang="en-US" dirty="0" smtClean="0"/>
+              <a:t>Fact: </a:t>
+            </a:r>
+            <a:r>
+              <a:rPr lang="en-US" i="1" dirty="0" smtClean="0"/>
+              <a:t>It is raining.</a:t>
+            </a:r>
+            <a:endParaRPr lang="en-US" dirty="0" smtClean="0"/>
+          </a:p>
+          <a:p>
+            <a:r>
+              <a:rPr lang="en-US" dirty="0" smtClean="0"/>
+              <a:t>Conclusion: </a:t>
+            </a:r>
+            <a:r>
+              <a:rPr lang="en-US" i="1" dirty="0" smtClean="0"/>
+              <a:t>The ground is wet.</a:t>
+            </a:r>
+            <a:endParaRPr lang="en-US" dirty="0" smtClean="0"/>
+          </a:p>
+          <a:p>
+            <a:endParaRPr lang="en-US" dirty="0"/>
+          </a:p>
+        </p:txBody>
+      </p:sp>
+    </p:spTree>
+  </p:cSld>
+  <p:clrMapOvr>
+    <a:masterClrMapping/>
+  </p:clrMapOvr>
+</p:sld>
+</file>
+
+<file path=ppt/slides/slide21.xml><?xml version="1.0" encoding="utf-8"?>
+<p:sld xmlns:a="http://schemas.openxmlformats.org/drawingml/2006/main" xmlns:r="http://schemas.openxmlformats.org/officeDocument/2006/relationships" xmlns:p="http://schemas.openxmlformats.org/presentationml/2006/main">
+  <p:cSld>
+    <p:spTree>
+      <p:nvGrpSpPr>
+        <p:cNvPr id="1" name=""/>
+        <p:cNvGrpSpPr/>
+        <p:nvPr/>
+      </p:nvGrpSpPr>
+      <p:grpSpPr>
+        <a:xfrm>
+          <a:off x="0" y="0"/>
+          <a:ext cx="0" cy="0"/>
+          <a:chOff x="0" y="0"/>
+          <a:chExt cx="0" cy="0"/>
+        </a:xfrm>
+      </p:grpSpPr>
+      <p:sp>
+        <p:nvSpPr>
+          <p:cNvPr id="2" name="Title 1"/>
+          <p:cNvSpPr>
+            <a:spLocks noGrp="1"/>
+          </p:cNvSpPr>
+          <p:nvPr>
+            <p:ph type="title"/>
+          </p:nvPr>
+        </p:nvSpPr>
+        <p:spPr/>
+        <p:txBody>
+          <a:bodyPr/>
+          <a:lstStyle/>
+          <a:p>
+            <a:endParaRPr lang="en-US"/>
+          </a:p>
+        </p:txBody>
+      </p:sp>
+      <p:sp>
+        <p:nvSpPr>
+          <p:cNvPr id="3" name="Content Placeholder 2"/>
+          <p:cNvSpPr>
+            <a:spLocks noGrp="1"/>
+          </p:cNvSpPr>
+          <p:nvPr>
+            <p:ph idx="1"/>
+          </p:nvPr>
+        </p:nvSpPr>
+        <p:spPr/>
+        <p:txBody>
+          <a:bodyPr>
+            <a:normAutofit fontScale="92500" lnSpcReduction="10000"/>
+          </a:bodyPr>
+          <a:lstStyle/>
+          <a:p>
+            <a:r>
+              <a:rPr lang="en-US" b="1" dirty="0" smtClean="0"/>
+              <a:t>Academic Example</a:t>
+            </a:r>
+          </a:p>
+          <a:p>
+            <a:r>
+              <a:rPr lang="en-US" dirty="0" smtClean="0"/>
+              <a:t>Rule: </a:t>
+            </a:r>
+            <a:r>
+              <a:rPr lang="en-US" i="1" dirty="0" smtClean="0"/>
+              <a:t>All students who score above 50 pass the exam.</a:t>
+            </a:r>
+            <a:endParaRPr lang="en-US" dirty="0" smtClean="0"/>
+          </a:p>
+          <a:p>
+            <a:r>
+              <a:rPr lang="en-US" dirty="0" smtClean="0"/>
+              <a:t>Fact: </a:t>
+            </a:r>
+            <a:r>
+              <a:rPr lang="en-US" i="1" dirty="0" err="1" smtClean="0"/>
+              <a:t>Rahul</a:t>
+            </a:r>
+            <a:r>
+              <a:rPr lang="en-US" i="1" dirty="0" smtClean="0"/>
+              <a:t> scored 70.</a:t>
+            </a:r>
+            <a:endParaRPr lang="en-US" dirty="0" smtClean="0"/>
+          </a:p>
+          <a:p>
+            <a:r>
+              <a:rPr lang="en-US" dirty="0" smtClean="0"/>
+              <a:t>Conclusion: </a:t>
+            </a:r>
+            <a:r>
+              <a:rPr lang="en-US" i="1" dirty="0" err="1" smtClean="0"/>
+              <a:t>Rahul</a:t>
+            </a:r>
+            <a:r>
+              <a:rPr lang="en-US" i="1" dirty="0" smtClean="0"/>
+              <a:t> passed the exam.</a:t>
+            </a:r>
+            <a:endParaRPr lang="en-US" dirty="0" smtClean="0"/>
+          </a:p>
+          <a:p>
+            <a:r>
+              <a:rPr lang="en-US" b="1" dirty="0" smtClean="0"/>
+              <a:t>Rule-Based Expert System</a:t>
+            </a:r>
+          </a:p>
+          <a:p>
+            <a:r>
+              <a:rPr lang="en-US" dirty="0" smtClean="0"/>
+              <a:t>Rule: </a:t>
+            </a:r>
+            <a:r>
+              <a:rPr lang="en-US" i="1" dirty="0" smtClean="0"/>
+              <a:t>IF temperature &gt; 38°C THEN fever = yes</a:t>
+            </a:r>
+            <a:endParaRPr lang="en-US" dirty="0" smtClean="0"/>
+          </a:p>
+          <a:p>
+            <a:r>
+              <a:rPr lang="en-US" dirty="0" smtClean="0"/>
+              <a:t>Given: </a:t>
+            </a:r>
+            <a:r>
+              <a:rPr lang="en-US" i="1" dirty="0" smtClean="0"/>
+              <a:t>Temperature = 39°C</a:t>
+            </a:r>
+            <a:endParaRPr lang="en-US" dirty="0" smtClean="0"/>
+          </a:p>
+          <a:p>
+            <a:r>
+              <a:rPr lang="en-US" dirty="0" smtClean="0"/>
+              <a:t>Conclusion: </a:t>
+            </a:r>
+            <a:r>
+              <a:rPr lang="en-US" i="1" dirty="0" smtClean="0"/>
+              <a:t>Patient has fever</a:t>
+            </a:r>
+            <a:endParaRPr lang="en-US" dirty="0" smtClean="0"/>
+          </a:p>
+          <a:p>
+            <a:endParaRPr lang="en-US" dirty="0"/>
+          </a:p>
+        </p:txBody>
+      </p:sp>
+    </p:spTree>
+  </p:cSld>
+  <p:clrMapOvr>
+    <a:masterClrMapping/>
+  </p:clrMapOvr>
+</p:sld>
+</file>
+
+<file path=ppt/slides/slide22.xml><?xml version="1.0" encoding="utf-8"?>
+<p:sld xmlns:a="http://schemas.openxmlformats.org/drawingml/2006/main" xmlns:r="http://schemas.openxmlformats.org/officeDocument/2006/relationships" xmlns:p="http://schemas.openxmlformats.org/presentationml/2006/main">
+  <p:cSld>
+    <p:spTree>
+      <p:nvGrpSpPr>
+        <p:cNvPr id="1" name=""/>
+        <p:cNvGrpSpPr/>
+        <p:nvPr/>
+      </p:nvGrpSpPr>
+      <p:grpSpPr>
+        <a:xfrm>
+          <a:off x="0" y="0"/>
+          <a:ext cx="0" cy="0"/>
+          <a:chOff x="0" y="0"/>
+          <a:chExt cx="0" cy="0"/>
+        </a:xfrm>
+      </p:grpSpPr>
+      <p:sp>
+        <p:nvSpPr>
+          <p:cNvPr id="2" name="Title 1"/>
+          <p:cNvSpPr>
+            <a:spLocks noGrp="1"/>
+          </p:cNvSpPr>
+          <p:nvPr>
+            <p:ph type="title"/>
+          </p:nvPr>
+        </p:nvSpPr>
+        <p:spPr/>
+        <p:txBody>
+          <a:bodyPr/>
+          <a:lstStyle/>
+          <a:p>
+            <a:r>
+              <a:rPr lang="en-US" dirty="0" smtClean="0"/>
+              <a:t>Learning by Abduction</a:t>
+            </a:r>
+            <a:endParaRPr lang="en-US" dirty="0"/>
+          </a:p>
+        </p:txBody>
+      </p:sp>
+      <p:sp>
+        <p:nvSpPr>
+          <p:cNvPr id="3" name="Content Placeholder 2"/>
+          <p:cNvSpPr>
+            <a:spLocks noGrp="1"/>
+          </p:cNvSpPr>
+          <p:nvPr>
+            <p:ph idx="1"/>
+          </p:nvPr>
+        </p:nvSpPr>
+        <p:spPr/>
+        <p:txBody>
+          <a:bodyPr/>
+          <a:lstStyle/>
+          <a:p>
+            <a:r>
+              <a:rPr lang="en-US" b="1" dirty="0" smtClean="0"/>
+              <a:t>Learning by abduction</a:t>
+            </a:r>
+            <a:r>
+              <a:rPr lang="en-US" dirty="0" smtClean="0"/>
+              <a:t> is a learning method where a system forms the </a:t>
+            </a:r>
+            <a:r>
+              <a:rPr lang="en-US" b="1" dirty="0" smtClean="0"/>
+              <a:t>most plausible explanation (hypothesis)</a:t>
+            </a:r>
+            <a:r>
+              <a:rPr lang="en-US" dirty="0" smtClean="0"/>
+              <a:t> for given observations.</a:t>
+            </a:r>
+            <a:br>
+              <a:rPr lang="en-US" dirty="0" smtClean="0"/>
+            </a:br>
+            <a:r>
+              <a:rPr lang="en-US" dirty="0" smtClean="0"/>
+              <a:t>It is often described as </a:t>
+            </a:r>
+            <a:r>
+              <a:rPr lang="en-US" b="1" dirty="0" smtClean="0"/>
+              <a:t>“inference to the best explanation.”</a:t>
+            </a:r>
+            <a:endParaRPr lang="en-US" dirty="0"/>
+          </a:p>
+        </p:txBody>
+      </p:sp>
+    </p:spTree>
+  </p:cSld>
+  <p:clrMapOvr>
+    <a:masterClrMapping/>
+  </p:clrMapOvr>
+</p:sld>
+</file>
+
+<file path=ppt/slides/slide23.xml><?xml version="1.0" encoding="utf-8"?>
+<p:sld xmlns:a="http://schemas.openxmlformats.org/drawingml/2006/main" xmlns:r="http://schemas.openxmlformats.org/officeDocument/2006/relationships" xmlns:p="http://schemas.openxmlformats.org/presentationml/2006/main">
+  <p:cSld>
+    <p:spTree>
+      <p:nvGrpSpPr>
+        <p:cNvPr id="1" name=""/>
+        <p:cNvGrpSpPr/>
+        <p:nvPr/>
+      </p:nvGrpSpPr>
+      <p:grpSpPr>
+        <a:xfrm>
+          <a:off x="0" y="0"/>
+          <a:ext cx="0" cy="0"/>
+          <a:chOff x="0" y="0"/>
+          <a:chExt cx="0" cy="0"/>
+        </a:xfrm>
+      </p:grpSpPr>
+      <p:sp>
+        <p:nvSpPr>
+          <p:cNvPr id="2" name="Title 1"/>
+          <p:cNvSpPr>
+            <a:spLocks noGrp="1"/>
+          </p:cNvSpPr>
+          <p:nvPr>
+            <p:ph type="title"/>
+          </p:nvPr>
+        </p:nvSpPr>
+        <p:spPr/>
+        <p:txBody>
+          <a:bodyPr/>
+          <a:lstStyle/>
+          <a:p>
+            <a:endParaRPr lang="en-US"/>
+          </a:p>
+        </p:txBody>
+      </p:sp>
+      <p:sp>
+        <p:nvSpPr>
+          <p:cNvPr id="3" name="Content Placeholder 2"/>
+          <p:cNvSpPr>
+            <a:spLocks noGrp="1"/>
+          </p:cNvSpPr>
+          <p:nvPr>
+            <p:ph idx="1"/>
+          </p:nvPr>
+        </p:nvSpPr>
+        <p:spPr/>
+        <p:txBody>
+          <a:bodyPr/>
+          <a:lstStyle/>
+          <a:p>
+            <a:r>
+              <a:rPr lang="en-US" dirty="0" smtClean="0"/>
+              <a:t>Learning by abduction is the process of generating hypotheses that best explain observed facts or data.</a:t>
+            </a:r>
+            <a:endParaRPr lang="en-US" dirty="0"/>
+          </a:p>
+        </p:txBody>
+      </p:sp>
+    </p:spTree>
+  </p:cSld>
+  <p:clrMapOvr>
+    <a:masterClrMapping/>
+  </p:clrMapOvr>
+</p:sld>
+</file>
+
+<file path=ppt/slides/slide24.xml><?xml version="1.0" encoding="utf-8"?>
+<p:sld xmlns:a="http://schemas.openxmlformats.org/drawingml/2006/main" xmlns:r="http://schemas.openxmlformats.org/officeDocument/2006/relationships" xmlns:p="http://schemas.openxmlformats.org/presentationml/2006/main">
+  <p:cSld>
+    <p:spTree>
+      <p:nvGrpSpPr>
+        <p:cNvPr id="1" name=""/>
+        <p:cNvGrpSpPr/>
+        <p:nvPr/>
+      </p:nvGrpSpPr>
+      <p:grpSpPr>
+        <a:xfrm>
+          <a:off x="0" y="0"/>
+          <a:ext cx="0" cy="0"/>
+          <a:chOff x="0" y="0"/>
+          <a:chExt cx="0" cy="0"/>
+        </a:xfrm>
+      </p:grpSpPr>
+      <p:sp>
+        <p:nvSpPr>
+          <p:cNvPr id="2" name="Title 1"/>
+          <p:cNvSpPr>
+            <a:spLocks noGrp="1"/>
+          </p:cNvSpPr>
+          <p:nvPr>
+            <p:ph type="title"/>
+          </p:nvPr>
+        </p:nvSpPr>
+        <p:spPr/>
+        <p:txBody>
+          <a:bodyPr>
+            <a:normAutofit fontScale="90000"/>
+          </a:bodyPr>
+          <a:lstStyle/>
+          <a:p>
+            <a:r>
+              <a:rPr lang="en-US" b="1" dirty="0" smtClean="0"/>
+              <a:t>How It Works</a:t>
+            </a:r>
+            <a:br>
+              <a:rPr lang="en-US" b="1" dirty="0" smtClean="0"/>
+            </a:br>
+            <a:endParaRPr lang="en-US" dirty="0"/>
+          </a:p>
+        </p:txBody>
+      </p:sp>
+      <p:sp>
+        <p:nvSpPr>
+          <p:cNvPr id="3" name="Content Placeholder 2"/>
+          <p:cNvSpPr>
+            <a:spLocks noGrp="1"/>
+          </p:cNvSpPr>
+          <p:nvPr>
+            <p:ph idx="1"/>
+          </p:nvPr>
+        </p:nvSpPr>
+        <p:spPr/>
+        <p:txBody>
+          <a:bodyPr/>
+          <a:lstStyle/>
+          <a:p>
+            <a:r>
+              <a:rPr lang="en-US" dirty="0" smtClean="0"/>
+              <a:t>Observe facts/data</a:t>
+            </a:r>
+          </a:p>
+          <a:p>
+            <a:r>
+              <a:rPr lang="en-US" dirty="0" smtClean="0"/>
+              <a:t>Generate possible explanations</a:t>
+            </a:r>
+          </a:p>
+          <a:p>
+            <a:r>
+              <a:rPr lang="en-US" dirty="0" smtClean="0"/>
+              <a:t>Select the most likely explanation</a:t>
+            </a:r>
+          </a:p>
+          <a:p>
+            <a:r>
+              <a:rPr lang="en-US" dirty="0" smtClean="0"/>
+              <a:t>Update knowledge when new evidence appears</a:t>
+            </a:r>
+          </a:p>
+          <a:p>
+            <a:pPr>
+              <a:buNone/>
+            </a:pPr>
+            <a:endParaRPr lang="en-US" dirty="0"/>
+          </a:p>
+        </p:txBody>
+      </p:sp>
+    </p:spTree>
+  </p:cSld>
+  <p:clrMapOvr>
+    <a:masterClrMapping/>
+  </p:clrMapOvr>
+</p:sld>
+</file>
+
+<file path=ppt/slides/slide25.xml><?xml version="1.0" encoding="utf-8"?>
+<p:sld xmlns:a="http://schemas.openxmlformats.org/drawingml/2006/main" xmlns:r="http://schemas.openxmlformats.org/officeDocument/2006/relationships" xmlns:p="http://schemas.openxmlformats.org/presentationml/2006/main">
+  <p:cSld>
+    <p:spTree>
+      <p:nvGrpSpPr>
+        <p:cNvPr id="1" name=""/>
+        <p:cNvGrpSpPr/>
+        <p:nvPr/>
+      </p:nvGrpSpPr>
+      <p:grpSpPr>
+        <a:xfrm>
+          <a:off x="0" y="0"/>
+          <a:ext cx="0" cy="0"/>
+          <a:chOff x="0" y="0"/>
+          <a:chExt cx="0" cy="0"/>
+        </a:xfrm>
+      </p:grpSpPr>
+      <p:sp>
+        <p:nvSpPr>
+          <p:cNvPr id="2" name="Title 1"/>
+          <p:cNvSpPr>
+            <a:spLocks noGrp="1"/>
+          </p:cNvSpPr>
+          <p:nvPr>
+            <p:ph type="title"/>
+          </p:nvPr>
+        </p:nvSpPr>
+        <p:spPr/>
+        <p:txBody>
+          <a:bodyPr/>
+          <a:lstStyle/>
+          <a:p>
+            <a:r>
+              <a:rPr lang="en-US" dirty="0" smtClean="0"/>
+              <a:t>Examples</a:t>
+            </a:r>
+            <a:endParaRPr lang="en-US" dirty="0"/>
+          </a:p>
+        </p:txBody>
+      </p:sp>
+      <p:sp>
+        <p:nvSpPr>
+          <p:cNvPr id="3" name="Content Placeholder 2"/>
+          <p:cNvSpPr>
+            <a:spLocks noGrp="1"/>
+          </p:cNvSpPr>
+          <p:nvPr>
+            <p:ph idx="1"/>
+          </p:nvPr>
+        </p:nvSpPr>
+        <p:spPr/>
+        <p:txBody>
+          <a:bodyPr/>
+          <a:lstStyle/>
+          <a:p>
+            <a:r>
+              <a:rPr lang="en-US" dirty="0" smtClean="0"/>
+              <a:t>Observation: </a:t>
+            </a:r>
+            <a:r>
+              <a:rPr lang="en-US" i="1" dirty="0" smtClean="0"/>
+              <a:t>The ground is wet.</a:t>
+            </a:r>
+            <a:endParaRPr lang="en-US" dirty="0" smtClean="0"/>
+          </a:p>
+          <a:p>
+            <a:r>
+              <a:rPr lang="en-US" dirty="0" smtClean="0"/>
+              <a:t>Possible explanations:</a:t>
+            </a:r>
+          </a:p>
+          <a:p>
+            <a:r>
+              <a:rPr lang="en-US" dirty="0" smtClean="0"/>
+              <a:t>It rained</a:t>
+            </a:r>
+          </a:p>
+          <a:p>
+            <a:r>
+              <a:rPr lang="en-US" dirty="0" smtClean="0"/>
+              <a:t>Someone watered plants</a:t>
+            </a:r>
+          </a:p>
+          <a:p>
+            <a:r>
+              <a:rPr lang="en-US" dirty="0" smtClean="0"/>
+              <a:t>Best explanation: </a:t>
+            </a:r>
+            <a:r>
+              <a:rPr lang="en-US" i="1" dirty="0" smtClean="0"/>
+              <a:t>It probably rained.</a:t>
+            </a:r>
+            <a:endParaRPr lang="en-US" dirty="0" smtClean="0"/>
+          </a:p>
+          <a:p>
+            <a:endParaRPr lang="en-US" dirty="0"/>
+          </a:p>
+        </p:txBody>
+      </p:sp>
+    </p:spTree>
+  </p:cSld>
+  <p:clrMapOvr>
+    <a:masterClrMapping/>
+  </p:clrMapOvr>
+</p:sld>
+</file>
+
+<file path=ppt/slides/slide26.xml><?xml version="1.0" encoding="utf-8"?>
+<p:sld xmlns:a="http://schemas.openxmlformats.org/drawingml/2006/main" xmlns:r="http://schemas.openxmlformats.org/officeDocument/2006/relationships" xmlns:p="http://schemas.openxmlformats.org/presentationml/2006/main">
+  <p:cSld>
+    <p:spTree>
+      <p:nvGrpSpPr>
+        <p:cNvPr id="1" name=""/>
+        <p:cNvGrpSpPr/>
+        <p:nvPr/>
+      </p:nvGrpSpPr>
+      <p:grpSpPr>
+        <a:xfrm>
+          <a:off x="0" y="0"/>
+          <a:ext cx="0" cy="0"/>
+          <a:chOff x="0" y="0"/>
+          <a:chExt cx="0" cy="0"/>
+        </a:xfrm>
+      </p:grpSpPr>
+      <p:sp>
+        <p:nvSpPr>
+          <p:cNvPr id="2" name="Title 1"/>
+          <p:cNvSpPr>
+            <a:spLocks noGrp="1"/>
+          </p:cNvSpPr>
+          <p:nvPr>
+            <p:ph type="title"/>
+          </p:nvPr>
+        </p:nvSpPr>
+        <p:spPr/>
+        <p:txBody>
+          <a:bodyPr/>
+          <a:lstStyle/>
+          <a:p>
+            <a:endParaRPr lang="en-US"/>
+          </a:p>
+        </p:txBody>
+      </p:sp>
+      <p:sp>
+        <p:nvSpPr>
+          <p:cNvPr id="3" name="Content Placeholder 2"/>
+          <p:cNvSpPr>
+            <a:spLocks noGrp="1"/>
+          </p:cNvSpPr>
+          <p:nvPr>
+            <p:ph idx="1"/>
+          </p:nvPr>
+        </p:nvSpPr>
+        <p:spPr/>
+        <p:txBody>
+          <a:bodyPr/>
+          <a:lstStyle/>
+          <a:p>
+            <a:r>
+              <a:rPr lang="en-US" dirty="0" smtClean="0"/>
+              <a:t>Observation: </a:t>
+            </a:r>
+            <a:r>
+              <a:rPr lang="en-US" i="1" dirty="0" smtClean="0"/>
+              <a:t>The ground is wet.</a:t>
+            </a:r>
+            <a:endParaRPr lang="en-US" dirty="0" smtClean="0"/>
+          </a:p>
+          <a:p>
+            <a:r>
+              <a:rPr lang="en-US" dirty="0" smtClean="0"/>
+              <a:t>Possible explanations:</a:t>
+            </a:r>
+          </a:p>
+          <a:p>
+            <a:r>
+              <a:rPr lang="en-US" dirty="0" smtClean="0"/>
+              <a:t>It rained</a:t>
+            </a:r>
+          </a:p>
+          <a:p>
+            <a:r>
+              <a:rPr lang="en-US" dirty="0" smtClean="0"/>
+              <a:t>Someone watered plants</a:t>
+            </a:r>
+          </a:p>
+          <a:p>
+            <a:r>
+              <a:rPr lang="en-US" dirty="0" smtClean="0"/>
+              <a:t>Best explanation: </a:t>
+            </a:r>
+            <a:r>
+              <a:rPr lang="en-US" i="1" dirty="0" smtClean="0"/>
+              <a:t>It probably rained.</a:t>
+            </a:r>
+            <a:endParaRPr lang="en-US" dirty="0" smtClean="0"/>
+          </a:p>
+          <a:p>
+            <a:endParaRPr lang="en-US" dirty="0"/>
+          </a:p>
+        </p:txBody>
+      </p:sp>
+    </p:spTree>
+  </p:cSld>
+  <p:clrMapOvr>
+    <a:masterClrMapping/>
+  </p:clrMapOvr>
+</p:sld>
+</file>
+
+<file path=ppt/slides/slide27.xml><?xml version="1.0" encoding="utf-8"?>
+<p:sld xmlns:a="http://schemas.openxmlformats.org/drawingml/2006/main" xmlns:r="http://schemas.openxmlformats.org/officeDocument/2006/relationships" xmlns:p="http://schemas.openxmlformats.org/presentationml/2006/main">
+  <p:cSld>
+    <p:spTree>
+      <p:nvGrpSpPr>
+        <p:cNvPr id="1" name=""/>
+        <p:cNvGrpSpPr/>
+        <p:nvPr/>
+      </p:nvGrpSpPr>
+      <p:grpSpPr>
+        <a:xfrm>
+          <a:off x="0" y="0"/>
+          <a:ext cx="0" cy="0"/>
+          <a:chOff x="0" y="0"/>
+          <a:chExt cx="0" cy="0"/>
+        </a:xfrm>
+      </p:grpSpPr>
+      <p:sp>
+        <p:nvSpPr>
+          <p:cNvPr id="2" name="Title 1"/>
+          <p:cNvSpPr>
+            <a:spLocks noGrp="1"/>
+          </p:cNvSpPr>
+          <p:nvPr>
+            <p:ph type="title"/>
+          </p:nvPr>
+        </p:nvSpPr>
+        <p:spPr/>
+        <p:txBody>
+          <a:bodyPr>
+            <a:normAutofit fontScale="90000"/>
+          </a:bodyPr>
+          <a:lstStyle/>
+          <a:p>
+            <a:r>
+              <a:rPr lang="en-US" dirty="0" smtClean="0"/>
+              <a:t>Learning by Deduction Vs Abduction</a:t>
+            </a:r>
+            <a:endParaRPr lang="en-US" dirty="0"/>
+          </a:p>
+        </p:txBody>
+      </p:sp>
+      <p:sp>
+        <p:nvSpPr>
+          <p:cNvPr id="3" name="Content Placeholder 2"/>
+          <p:cNvSpPr>
+            <a:spLocks noGrp="1"/>
+          </p:cNvSpPr>
+          <p:nvPr>
+            <p:ph idx="1"/>
+          </p:nvPr>
+        </p:nvSpPr>
+        <p:spPr/>
+        <p:txBody>
+          <a:bodyPr>
+            <a:normAutofit fontScale="92500" lnSpcReduction="10000"/>
+          </a:bodyPr>
+          <a:lstStyle/>
+          <a:p>
+            <a:r>
+              <a:rPr lang="en-US" b="1" dirty="0" smtClean="0"/>
+              <a:t> Example: Medical Diagnosis</a:t>
+            </a:r>
+          </a:p>
+          <a:p>
+            <a:r>
+              <a:rPr lang="en-US" b="1" dirty="0" smtClean="0"/>
+              <a:t>Learning by Deduction</a:t>
+            </a:r>
+          </a:p>
+          <a:p>
+            <a:r>
+              <a:rPr lang="en-US" b="1" dirty="0" smtClean="0"/>
+              <a:t>General rule:</a:t>
+            </a:r>
+            <a:r>
+              <a:rPr lang="en-US" dirty="0" smtClean="0"/>
+              <a:t/>
+            </a:r>
+            <a:br>
+              <a:rPr lang="en-US" dirty="0" smtClean="0"/>
+            </a:br>
+            <a:r>
+              <a:rPr lang="en-US" i="1" dirty="0" smtClean="0"/>
+              <a:t>If a person has malaria, then they will have fever.</a:t>
+            </a:r>
+            <a:endParaRPr lang="en-US" dirty="0" smtClean="0"/>
+          </a:p>
+          <a:p>
+            <a:r>
+              <a:rPr lang="en-US" b="1" dirty="0" smtClean="0"/>
+              <a:t>Given fact:</a:t>
+            </a:r>
+            <a:r>
+              <a:rPr lang="en-US" dirty="0" smtClean="0"/>
+              <a:t/>
+            </a:r>
+            <a:br>
+              <a:rPr lang="en-US" dirty="0" smtClean="0"/>
+            </a:br>
+            <a:r>
+              <a:rPr lang="en-US" i="1" dirty="0" smtClean="0"/>
+              <a:t>The patient has malaria.</a:t>
+            </a:r>
+            <a:endParaRPr lang="en-US" dirty="0" smtClean="0"/>
+          </a:p>
+          <a:p>
+            <a:r>
+              <a:rPr lang="en-US" b="1" dirty="0" smtClean="0"/>
+              <a:t>Conclusion:</a:t>
+            </a:r>
+            <a:r>
+              <a:rPr lang="en-US" dirty="0" smtClean="0"/>
+              <a:t/>
+            </a:r>
+            <a:br>
+              <a:rPr lang="en-US" dirty="0" smtClean="0"/>
+            </a:br>
+            <a:r>
+              <a:rPr lang="en-US" i="1" dirty="0" smtClean="0"/>
+              <a:t>The patient has fever.</a:t>
+            </a:r>
+            <a:endParaRPr lang="en-US" dirty="0" smtClean="0"/>
+          </a:p>
+          <a:p>
+            <a:r>
+              <a:rPr lang="en-US" dirty="0" smtClean="0"/>
+              <a:t> Conclusion is </a:t>
+            </a:r>
+            <a:r>
+              <a:rPr lang="en-US" b="1" dirty="0" smtClean="0"/>
+              <a:t>certain</a:t>
+            </a:r>
+            <a:r>
+              <a:rPr lang="en-US" dirty="0" smtClean="0"/>
+              <a:t> (logically guaranteed)</a:t>
+            </a:r>
+          </a:p>
+        </p:txBody>
+      </p:sp>
+    </p:spTree>
+  </p:cSld>
+  <p:clrMapOvr>
+    <a:masterClrMapping/>
+  </p:clrMapOvr>
+</p:sld>
+</file>
+
+<file path=ppt/slides/slide28.xml><?xml version="1.0" encoding="utf-8"?>
+<p:sld xmlns:a="http://schemas.openxmlformats.org/drawingml/2006/main" xmlns:r="http://schemas.openxmlformats.org/officeDocument/2006/relationships" xmlns:p="http://schemas.openxmlformats.org/presentationml/2006/main">
+  <p:cSld>
+    <p:spTree>
+      <p:nvGrpSpPr>
+        <p:cNvPr id="1" name=""/>
+        <p:cNvGrpSpPr/>
+        <p:nvPr/>
+      </p:nvGrpSpPr>
+      <p:grpSpPr>
+        <a:xfrm>
+          <a:off x="0" y="0"/>
+          <a:ext cx="0" cy="0"/>
+          <a:chOff x="0" y="0"/>
+          <a:chExt cx="0" cy="0"/>
+        </a:xfrm>
+      </p:grpSpPr>
+      <p:sp>
+        <p:nvSpPr>
+          <p:cNvPr id="2" name="Title 1"/>
+          <p:cNvSpPr>
+            <a:spLocks noGrp="1"/>
+          </p:cNvSpPr>
+          <p:nvPr>
+            <p:ph type="title"/>
+          </p:nvPr>
+        </p:nvSpPr>
+        <p:spPr/>
+        <p:txBody>
+          <a:bodyPr/>
+          <a:lstStyle/>
+          <a:p>
+            <a:r>
+              <a:rPr lang="en-US" b="1" dirty="0" smtClean="0"/>
+              <a:t>Learning by Abduction</a:t>
+            </a:r>
+            <a:endParaRPr lang="en-US" b="1" dirty="0" smtClean="0"/>
+          </a:p>
+        </p:txBody>
+      </p:sp>
+      <p:sp>
+        <p:nvSpPr>
+          <p:cNvPr id="3" name="Content Placeholder 2"/>
+          <p:cNvSpPr>
+            <a:spLocks noGrp="1"/>
+          </p:cNvSpPr>
+          <p:nvPr>
+            <p:ph idx="1"/>
+          </p:nvPr>
+        </p:nvSpPr>
+        <p:spPr/>
+        <p:txBody>
+          <a:bodyPr>
+            <a:normAutofit fontScale="92500" lnSpcReduction="10000"/>
+          </a:bodyPr>
+          <a:lstStyle/>
+          <a:p>
+            <a:r>
+              <a:rPr lang="en-US" b="1" dirty="0" smtClean="0"/>
+              <a:t>Observation:</a:t>
+            </a:r>
+            <a:r>
+              <a:rPr lang="en-US" dirty="0" smtClean="0"/>
+              <a:t/>
+            </a:r>
+            <a:br>
+              <a:rPr lang="en-US" dirty="0" smtClean="0"/>
+            </a:br>
+            <a:r>
+              <a:rPr lang="en-US" i="1" dirty="0" smtClean="0"/>
+              <a:t>The patient has fever.</a:t>
+            </a:r>
+            <a:endParaRPr lang="en-US" dirty="0" smtClean="0"/>
+          </a:p>
+          <a:p>
+            <a:r>
+              <a:rPr lang="en-US" b="1" dirty="0" smtClean="0"/>
+              <a:t>Possible explanations:</a:t>
+            </a:r>
+            <a:endParaRPr lang="en-US" dirty="0" smtClean="0"/>
+          </a:p>
+          <a:p>
+            <a:pPr lvl="1"/>
+            <a:r>
+              <a:rPr lang="en-US" dirty="0" smtClean="0"/>
+              <a:t>Malaria</a:t>
+            </a:r>
+          </a:p>
+          <a:p>
+            <a:pPr lvl="1"/>
+            <a:r>
+              <a:rPr lang="en-US" dirty="0" smtClean="0"/>
+              <a:t>Viral infection</a:t>
+            </a:r>
+          </a:p>
+          <a:p>
+            <a:pPr lvl="1"/>
+            <a:r>
+              <a:rPr lang="en-US" dirty="0" smtClean="0"/>
+              <a:t>Dengue</a:t>
+            </a:r>
+          </a:p>
+          <a:p>
+            <a:r>
+              <a:rPr lang="en-US" b="1" dirty="0" smtClean="0"/>
+              <a:t>Best explanation:</a:t>
+            </a:r>
+            <a:r>
+              <a:rPr lang="en-US" dirty="0" smtClean="0"/>
+              <a:t/>
+            </a:r>
+            <a:br>
+              <a:rPr lang="en-US" dirty="0" smtClean="0"/>
+            </a:br>
+            <a:r>
+              <a:rPr lang="en-US" i="1" dirty="0" smtClean="0"/>
+              <a:t>The patient may have malaria.</a:t>
+            </a:r>
+            <a:endParaRPr lang="en-US" dirty="0" smtClean="0"/>
+          </a:p>
+          <a:p>
+            <a:r>
+              <a:rPr lang="en-US" dirty="0" smtClean="0"/>
+              <a:t>Conclusion is </a:t>
+            </a:r>
+            <a:r>
+              <a:rPr lang="en-US" b="1" dirty="0" smtClean="0"/>
+              <a:t>plausible, not certain</a:t>
+            </a:r>
+            <a:endParaRPr lang="en-US" dirty="0" smtClean="0"/>
+          </a:p>
+          <a:p>
+            <a:endParaRPr lang="en-US" dirty="0"/>
+          </a:p>
+        </p:txBody>
+      </p:sp>
+    </p:spTree>
+  </p:cSld>
+  <p:clrMapOvr>
+    <a:masterClrMapping/>
+  </p:clrMapOvr>
+</p:sld>
+</file>
+
+<file path=ppt/slides/slide29.xml><?xml version="1.0" encoding="utf-8"?>
+<p:sld xmlns:a="http://schemas.openxmlformats.org/drawingml/2006/main" xmlns:r="http://schemas.openxmlformats.org/officeDocument/2006/relationships" xmlns:p="http://schemas.openxmlformats.org/presentationml/2006/main">
+  <p:cSld>
+    <p:spTree>
+      <p:nvGrpSpPr>
+        <p:cNvPr id="1" name=""/>
+        <p:cNvGrpSpPr/>
+        <p:nvPr/>
+      </p:nvGrpSpPr>
+      <p:grpSpPr>
+        <a:xfrm>
+          <a:off x="0" y="0"/>
+          <a:ext cx="0" cy="0"/>
+          <a:chOff x="0" y="0"/>
+          <a:chExt cx="0" cy="0"/>
+        </a:xfrm>
+      </p:grpSpPr>
+      <p:sp>
+        <p:nvSpPr>
+          <p:cNvPr id="2" name="Title 1"/>
+          <p:cNvSpPr>
+            <a:spLocks noGrp="1"/>
+          </p:cNvSpPr>
+          <p:nvPr>
+            <p:ph type="title"/>
+          </p:nvPr>
+        </p:nvSpPr>
+        <p:spPr/>
+        <p:txBody>
+          <a:bodyPr>
+            <a:normAutofit fontScale="90000"/>
+          </a:bodyPr>
+          <a:lstStyle/>
+          <a:p>
+            <a:r>
+              <a:rPr lang="en-US" dirty="0" smtClean="0"/>
+              <a:t>Learning By Induction</a:t>
+            </a:r>
+            <a:br>
+              <a:rPr lang="en-US" dirty="0" smtClean="0"/>
+            </a:br>
+            <a:endParaRPr lang="en-US" dirty="0"/>
+          </a:p>
+        </p:txBody>
+      </p:sp>
+      <p:sp>
+        <p:nvSpPr>
+          <p:cNvPr id="3" name="Content Placeholder 2"/>
+          <p:cNvSpPr>
+            <a:spLocks noGrp="1"/>
+          </p:cNvSpPr>
+          <p:nvPr>
+            <p:ph idx="1"/>
+          </p:nvPr>
+        </p:nvSpPr>
+        <p:spPr/>
+        <p:txBody>
+          <a:bodyPr/>
+          <a:lstStyle/>
+          <a:p>
+            <a:r>
+              <a:rPr lang="en-US" dirty="0" smtClean="0"/>
+              <a:t>Learning by Examples</a:t>
+            </a:r>
+          </a:p>
+          <a:p>
+            <a:r>
+              <a:rPr lang="en-US" dirty="0" smtClean="0"/>
+              <a:t>Learning by </a:t>
+            </a:r>
+            <a:r>
+              <a:rPr lang="en-US" dirty="0" err="1" smtClean="0"/>
+              <a:t>Obeservations</a:t>
+            </a:r>
+            <a:endParaRPr lang="en-US" dirty="0" smtClean="0"/>
+          </a:p>
+          <a:p>
+            <a:endParaRPr lang="en-US" dirty="0"/>
+          </a:p>
+        </p:txBody>
+      </p:sp>
+    </p:spTree>
+  </p:cSld>
+  <p:clrMapOvr>
+    <a:masterClrMapping/>
+  </p:clrMapOvr>
+</p:sld>
+</file>
+
 <file path=ppt/slides/slide3.xml><?xml version="1.0" encoding="utf-8"?>
 <p:sld xmlns:a="http://schemas.openxmlformats.org/drawingml/2006/main" xmlns:r="http://schemas.openxmlformats.org/officeDocument/2006/relationships" xmlns:p="http://schemas.openxmlformats.org/presentationml/2006/main">
   <p:cSld>
@@ -3912,6 +5537,189 @@
           </a:p>
         </p:txBody>
       </p:sp>
+    </p:spTree>
+  </p:cSld>
+  <p:clrMapOvr>
+    <a:masterClrMapping/>
+  </p:clrMapOvr>
+</p:sld>
+</file>
+
+<file path=ppt/slides/slide30.xml><?xml version="1.0" encoding="utf-8"?>
+<p:sld xmlns:a="http://schemas.openxmlformats.org/drawingml/2006/main" xmlns:r="http://schemas.openxmlformats.org/officeDocument/2006/relationships" xmlns:p="http://schemas.openxmlformats.org/presentationml/2006/main">
+  <p:cSld>
+    <p:spTree>
+      <p:nvGrpSpPr>
+        <p:cNvPr id="1" name=""/>
+        <p:cNvGrpSpPr/>
+        <p:nvPr/>
+      </p:nvGrpSpPr>
+      <p:grpSpPr>
+        <a:xfrm>
+          <a:off x="0" y="0"/>
+          <a:ext cx="0" cy="0"/>
+          <a:chOff x="0" y="0"/>
+          <a:chExt cx="0" cy="0"/>
+        </a:xfrm>
+      </p:grpSpPr>
+      <p:sp>
+        <p:nvSpPr>
+          <p:cNvPr id="2" name="Title 1"/>
+          <p:cNvSpPr>
+            <a:spLocks noGrp="1"/>
+          </p:cNvSpPr>
+          <p:nvPr>
+            <p:ph type="title"/>
+          </p:nvPr>
+        </p:nvSpPr>
+        <p:spPr/>
+        <p:txBody>
+          <a:bodyPr/>
+          <a:lstStyle/>
+          <a:p>
+            <a:endParaRPr lang="en-US"/>
+          </a:p>
+        </p:txBody>
+      </p:sp>
+      <p:pic>
+        <p:nvPicPr>
+          <p:cNvPr id="4" name="Picture 2"/>
+          <p:cNvPicPr>
+            <a:picLocks noGrp="1" noChangeAspect="1" noChangeArrowheads="1"/>
+          </p:cNvPicPr>
+          <p:nvPr>
+            <p:ph idx="1"/>
+          </p:nvPr>
+        </p:nvPicPr>
+        <p:blipFill>
+          <a:blip r:embed="rId2"/>
+          <a:srcRect/>
+          <a:stretch>
+            <a:fillRect/>
+          </a:stretch>
+        </p:blipFill>
+        <p:spPr bwMode="auto">
+          <a:xfrm>
+            <a:off x="1572234" y="1600200"/>
+            <a:ext cx="5999532" cy="4525963"/>
+          </a:xfrm>
+          <a:prstGeom prst="rect">
+            <a:avLst/>
+          </a:prstGeom>
+          <a:noFill/>
+          <a:ln w="9525">
+            <a:noFill/>
+            <a:miter lim="800000"/>
+            <a:headEnd/>
+            <a:tailEnd/>
+          </a:ln>
+          <a:effectLst/>
+        </p:spPr>
+      </p:pic>
+    </p:spTree>
+  </p:cSld>
+  <p:clrMapOvr>
+    <a:masterClrMapping/>
+  </p:clrMapOvr>
+</p:sld>
+</file>
+
+<file path=ppt/slides/slide31.xml><?xml version="1.0" encoding="utf-8"?>
+<p:sld xmlns:a="http://schemas.openxmlformats.org/drawingml/2006/main" xmlns:r="http://schemas.openxmlformats.org/officeDocument/2006/relationships" xmlns:p="http://schemas.openxmlformats.org/presentationml/2006/main">
+  <p:cSld>
+    <p:spTree>
+      <p:nvGrpSpPr>
+        <p:cNvPr id="1" name=""/>
+        <p:cNvGrpSpPr/>
+        <p:nvPr/>
+      </p:nvGrpSpPr>
+      <p:grpSpPr>
+        <a:xfrm>
+          <a:off x="0" y="0"/>
+          <a:ext cx="0" cy="0"/>
+          <a:chOff x="0" y="0"/>
+          <a:chExt cx="0" cy="0"/>
+        </a:xfrm>
+      </p:grpSpPr>
+      <p:sp>
+        <p:nvSpPr>
+          <p:cNvPr id="2" name="Title 1"/>
+          <p:cNvSpPr>
+            <a:spLocks noGrp="1"/>
+          </p:cNvSpPr>
+          <p:nvPr>
+            <p:ph type="title"/>
+          </p:nvPr>
+        </p:nvSpPr>
+        <p:spPr/>
+        <p:txBody>
+          <a:bodyPr/>
+          <a:lstStyle/>
+          <a:p>
+            <a:r>
+              <a:rPr lang="en-US" dirty="0" err="1" smtClean="0"/>
+              <a:t>Convolutional</a:t>
+            </a:r>
+            <a:r>
+              <a:rPr lang="en-US" dirty="0" smtClean="0"/>
+              <a:t> Neural Network</a:t>
+            </a:r>
+            <a:endParaRPr lang="en-US" dirty="0"/>
+          </a:p>
+        </p:txBody>
+      </p:sp>
+      <p:sp>
+        <p:nvSpPr>
+          <p:cNvPr id="3" name="Content Placeholder 2"/>
+          <p:cNvSpPr>
+            <a:spLocks noGrp="1"/>
+          </p:cNvSpPr>
+          <p:nvPr>
+            <p:ph idx="1"/>
+          </p:nvPr>
+        </p:nvSpPr>
+        <p:spPr/>
+        <p:txBody>
+          <a:bodyPr/>
+          <a:lstStyle/>
+          <a:p>
+            <a:endParaRPr lang="en-US"/>
+          </a:p>
+        </p:txBody>
+      </p:sp>
+      <p:pic>
+        <p:nvPicPr>
+          <p:cNvPr id="4098" name="Picture 2"/>
+          <p:cNvPicPr>
+            <a:picLocks noChangeAspect="1" noChangeArrowheads="1"/>
+          </p:cNvPicPr>
+          <p:nvPr/>
+        </p:nvPicPr>
+        <p:blipFill>
+          <a:blip r:embed="rId2"/>
+          <a:srcRect/>
+          <a:stretch>
+            <a:fillRect/>
+          </a:stretch>
+        </p:blipFill>
+        <p:spPr bwMode="auto">
+          <a:xfrm>
+            <a:off x="1052513" y="1638300"/>
+            <a:ext cx="7038975" cy="4505344"/>
+          </a:xfrm>
+          <a:prstGeom prst="rect">
+            <a:avLst/>
+          </a:prstGeom>
+          <a:noFill/>
+          <a:ln w="9525">
+            <a:noFill/>
+            <a:miter lim="800000"/>
+            <a:headEnd/>
+            <a:tailEnd/>
+          </a:ln>
+          <a:effectLst/>
+        </p:spPr>
+      </p:pic>
     </p:spTree>
   </p:cSld>
   <p:clrMapOvr>
